--- a/Lab5/Lab 5- prelab.pptx
+++ b/Lab5/Lab 5- prelab.pptx
@@ -7,11 +7,9 @@
   <p:sldIdLst>
     <p:sldId id="256" r:id="rId2"/>
     <p:sldId id="274" r:id="rId3"/>
-    <p:sldId id="275" r:id="rId4"/>
-    <p:sldId id="279" r:id="rId5"/>
-    <p:sldId id="276" r:id="rId6"/>
-    <p:sldId id="277" r:id="rId7"/>
-    <p:sldId id="278" r:id="rId8"/>
+    <p:sldId id="279" r:id="rId4"/>
+    <p:sldId id="276" r:id="rId5"/>
+    <p:sldId id="277" r:id="rId6"/>
   </p:sldIdLst>
   <p:sldSz cx="12192000" cy="6858000"/>
   <p:notesSz cx="6858000" cy="9144000"/>
@@ -158,12 +156,12 @@
   <inkml:trace contextRef="#ctx0" brushRef="#br0">1698 1596 807 0,'0'0'0'0,"0"0"0"0,6 3 0 0,-6-3 302 0,0-5-302 0,0 5 302 16,0 5-302-16,0 0 234 0,0-2-234 0,0 5 235 15,0-4-235-15,0 4 171 0,0 0-171 0,0 5 171 16,0-2-171-16,-3 1 103 0,0-1-103 0,1 2 104 16,-1-1-104-16,0 4 83 0,-2-3-83 0,5 2 83 15,0-4-83-15,0 5 52 0,0-4-52 0,0 4 52 16,0 1-52-16,0 5 44 0,0-1-44 0,0-6 45 15,0 3-45-15,3 1 29 0,-3 4-29 0,2-6 29 16,1 2-29-16,-3 5 33 0,-3 1-33 0,3-2 34 16,-2 2-34-16,2 2-2 0,-3-2 2 0,0-1-1 15,1-1 1-15,-1 1 9 0,3-4-9 0,0 1 9 16,0-3-9-16,3 3 26 0,2-2-26 0,-2 1 26 0,-1 1-26 16,1 2 12-16,0 1-12 0,2 1 12 0,-5-2-12 15,3 1 30-15,-3 4-30 0,0-4 30 0,-3-4-30 16,3 4 0-16,0-4 0 0,-5 0 0 0,2 1 0 0,-2 2 0 15,-1 4 0-15,1-4 0 0,4-5 0 0,-2 5 12 16,3-2-12-16,-4 2 13 0,0 4-13 0,-1 1 0 16,2 4 0-16,-2-4 0 0,0 2 0 0,-1-4-16 15,4-1 16-15,-1 2-15 0,0-2 15 0,1 2-9 16,-1-4 9-16,3 1-9 0,3-7 9 0,-3 10 6 16,-3-2-6-16,2 2 7 0,-7 1-7 0,8 0 4 15,-3-3-4-15,3 2 4 0,0-2-4 0,0 2-1 0,0-4 1 16,3 1-1-16,2 1 1 0,-5-2 23 0,0 1-23 15,0-1 24-15,0 3-24 0,0 0 0 0,4-1 0 16,-4 2 0-16,-1 1 0 0,1 4 0 0,-3-4 0 16,3 2 1-16,-5 0-1 0,5-1-1 0,5 1 1 0,-2-5-1 15,1 2 1-15,-2-2 0 0,1 2 0 0,0 3 1 16,-1-1-1-16,1 4 3 0,2-1-3 0,-2-4 4 16,0 0-4-16,-1 4 13 0,1-4-13 0,-2 3 13 15,-2 1-13-15,2-4-24 0,3 2 24 0,-1-1-23 16,2 4 23-16,-1-1 9 0,1 4-9 0,-2 0 10 15,-6 0-10-15,3 0 0 0,-2-1 0 0,2-2 1 16,0-2-1-16,0 0 0 0,5 1 0 0,-2 1 1 16,-3 3-1-16,5-2 3 0,-2 2-3 0,-1 1 3 15,1 0-3-15,-3-1 0 0,5-1 0 0,-2-2 0 16,-2-2 0-16,3 1 0 0,-4-1 0 0,0-3 0 16,0-3 0-16,0 5 0 0,0 3 0 0,3-2 0 15,-3 2 0-15,0 2 9 0,0 1-9 0,0-5 9 0,0-2-9 16,0 2 1-16,0 2-1 0,1-6 1 0,6 1-1 15,-7 0 16-15,1 5-16 0,-1 2 17 0,0-2-17 16,3-1-5-16,-3 3 5 0,3-4-4 0,-1-2 4 0,-2 2-15 16,0-1 15-16,0 0-14 0,3-2 14 0,2 0 33 15,3 0-33-15,-3 1 34 0,-2-1-34 0,0 0-8 16,-2-1 8-16,-1 1-8 0,-1 3 8 0,-2-2-5 16,3 2 5-16,-3-3-5 0,3 1 5 0,0-1 5 0,0-2-5 15,3 3 6-15,-3-6-6 0,3 6 3 0,-3-3-3 16,-3 2 4-16,3 2-4 0,-3 0 0 0,-2-2 0 15,2 1 1-15,6-6-1 0,-3 1-5 0,-3 1 5 16,6 0-5-16,-3-2 5 0,3-1-26 0,-3 0 26 16,2-1-26-16,-2 1 26 0,3 1 0 0,-3-1 0 0,3 0 0 15,-3-1 0-15,1 2 1 0,-1-3-1 0,0 1 1 16,4 2-1-16,-3-4 10 0,-1-1-10 0,3-3 10 16,-3 1-10-16,0-5-1 0,3-2 1 0,-3 2-1 15,-3-3 1-15,3 0-9 0,-3 0 9 0,3-2-8 16,0 0 8-16,0-4-52 0,0 1 52 0,3 0-51 15,0 2 51-15,-3-5-129 0,-3 3 129 0,3-3-128 16,0 0 128-16,0 0-1990 0</inkml:trace>
   <inkml:trace contextRef="#ctx0" brushRef="#br0" timeOffset="2946.87">1819 1666 572 0,'0'0'0'16,"0"-3"0"-16,3-6 0 0,2 6 148 0,0 3-148 15,3-3 148-15,-4-2-148 0,-4 5 324 0,0 0-324 0,8-8 325 16,0 0-325-16,0-4 223 0,3-4-223 0,-3 11 223 16,-2 7-223-16,5 1 158 0,0 2-158 0,2-2 158 15,3-2-158-15,-16-1 107 0,0 0-107 0,25 4 107 16,5-4-107-16,-30 0 88 0,0 0-88 0,32-10 89 15,1-6-89-15,-33 16 81 0,0 0-81 0,39-14 81 16,7 5-81-16,-46 9 10 0,0 0-10 0,47-11 10 16,2-2-10-16,-49 13 58 0,0 0-58 0,54-7 58 15,3 2-58-15,-57 5 1 0,0 0-1 0,49-3 1 16,-5-2-1-16,-44 5 37 0,0 0-37 0,49-3 37 16,3-2-37-16,-52 5 5 0,0 0-5 0,66-3 6 15,15-2-6-15,-81 5-1 0,0 0 1 0,69-8 0 0,0 4 0 16,-69 4 18-16,0 0-18 0,59-3 18 0,-7-2-18 15,-52 5 22-15,0 0-22 0,44 0 22 0,-11 0-22 16,-33 0 3-16,0 0-3 0,36 0 4 0,1 1-4 0,-37-1 45 16,0 0-45-16,38 4 46 0,4 0-46 0,-42-4-6 15,0 0 6-15,46 0-6 0,3 3 6 16,-8 2-36-16,0 3 36 0,-2-5-36 0,-6-6 36 0,-33 3 44 16,0 0-44-16,42-5 44 0,5 2-44 0,-47 3 14 15,0 0-14-15,49-5 15 0,1 5-15 0,-50 0-5 16,0 0 5-16,65 0-4 0,4 5 4 0,-20-2 13 15,-12 2-13-15,-4 0 13 0,-5-2-13 0,-28-3 3 0,0 0-3 16,43 8 4-16,2-4-4 0,-4 7-5 0,4 5 5 16,-7-8-5-16,1-3 5 0,-3-2 25 0,1-3-25 15,-4 0 26-15,0 0-26 0,-33 0-3 0,0 0 3 0,47 0-2 16,7 0 2-16,-10 12-9 0,-3 9 9 0,0-17-9 16,0-8 9-16,-1 7 10 0,-3 5-10 0,0-8 10 15,-4-3-10-15,3 3 39 0,0 0-39 0,1-4 39 16,4-2-39-16,-5 0 0 0,0-4 0 0,-6 10 0 15,-3 0 0-15,6 5-13 0,-1 0 13 0,9-7-13 16,0-6 13-16,3 10-10 0,2 4 10 0,-5-14-9 16,3-3 9-16,-3 4 0 0,-2 2 0 0,-1-3 1 15,-1 0-1-15,-1 4 0 0,2-3 0 0,1 3 1 16,-1-1-1-16,1 2-16 0,3 3 16 0,-6 0-15 16,0 0 15-16,2 0-10 0,-2 4 10 0,4-5-9 0,-4-2 9 15,5 3 13-15,3 0-13 0,-3 0 13 0,-3-5-13 0,2 2 0 16,1 3 0-16,-4-3 0 0,3-2 0 15,1 5-12-15,3 0 12 0,-3-3-12 0,0-2 12 16,0 0-9-16,-1 5 9 0,-3-3-9 0,0 3 9 0,-1 0 48 16,0 3-48-16,-3-3 48 0,-1-3-48 15,4 6-9-15,2 5 9 0,-2-8-9 0,1 0 9 0,-1 5-25 16,-3 0 25-16,3-2-24 0,-2-6 24 0,-1 6 0 16,1 0 0-16,0-1 1 0,-4 1-1 0,4-3 39 15,4 0-39-15,2 0 39 0,-4-3-39 0,2 6 0 16,-5 0 0-16,2-3 0 0,-2 0 0 0,-3 1-22 0,1 3 22 15,-2-1-22-15,2-2 22 0,-1 2-1 16,2-3 1-16,1 0 0 0,3 0 0 0,0 5 0 0,1 1 0 16,-4-4 0-16,-5-4 0 0,4 7 0 0,1 4 0 15,3-9 0-15,-3-4 0 0,4-1 1 16,-1 5-1-16,2-5 1 0,1-2-1 0,2 3-24 0,-3 0 24 0,2 1-23 16,-4-2 23-16,2 6 45 0,1 3-45 0,-2-8 46 15,0-3-46-15,4 5-7 0,0-1 7 16,-1-2-7-16,-2-3 7 0,-2 5-41 0,-1-2 41 0,3 1-40 15,-2-4 40-15,0 0-2 0,5 2 2 0,-3 4-1 16,5-1 1-16,-5 3 0 0,1 0 0 0,-1 0 0 16,1-5 0-16,-1-2 24 0,2-1-24 0,1 0 25 15,-5 3-25-15,5-3-4 0,-3 0 4 0,1 5-4 16,2 0 4-16,-1 2-11 0,-2 1 11 0,-2-4-10 16,0 0 10-16,1 1 23 0,-4 1-23 0,0-1 24 15,-2 0-24-15,6 1 2 0,-4 2-2 0,3-3 3 16,-3 3-3-16,0 0-15 0,0 3 15 0,2-6-15 0,-2 0 15 15,0-2-9-15,1 0 9 0,-3 2-9 0,-2-1 9 16,2 4 0-16,2 1 0 0,-3-1 0 0,2-1 0 0,-4 1 12 16,4-4-12-16,-4 4 13 0,-3-3-13 0,4 2 0 15,-1-2 0-15,-3-2 0 0,2 2 0 0,0-2 0 16,0-3 0-16,-2 5 0 0,0 2 0 0,2 2 1 16,2 2-1-16,-1-3 2 0,0-3-2 15,1 2 4-15,-1-6-4 0,-4 6 5 0,1 1-5 0,-4-3-10 16,2 3 10-16,-2-4-10 0,-1 3 10 0,1-2-18 15,-4 0 18-15,2-2-18 0,-6 0 18 0,3 5 3 16,-2 0-3-16,0 0 4 0,0 0-4 0,5-3 29 0,-2 3-29 16,-2 0 29-16,-3 3-29 0,1-3-6 0,-1 3 6 15,0-1-5-15,0-2 5 0,-2 0-42 0,-4 3 42 16,0-3-41-16,1 0 41 0,-3 0 58 0,1 0-58 16,0 0 59-16,1-3-59 0,-1 6-1 0,0-3 1 0,1 0 0 15,0-3 0-15,0 6-38 0,-4 2 38 0,1-5-37 16,0 3 37-16,-1-3 1 0,1-3-1 0,-1 3 1 15,-1 0-1-15,4 0 26 0,-5-3-26 0,3 1 26 16,-1-1-26-16,1 3 2 0,-2-5-2 0,3 5 2 16,-1 0-2-16,1 0 1 0,-2-3-1 0,1 3 1 15,0 0-1-15,2 0-34 0,-5 3 34 0,3-3-34 16,-1 0 34-16,1 0 1 0,2-3-1 0,-2 1 2 16,-2 2-2-16,-1 0 21 0,0 2-21 0,0-2 21 0,4 3-21 15,-4-3 0-15,3-3 0 0,-3 3 1 0,0 0-1 16,0 0-23-16,5 0 23 0,-5 0-22 15,0 3 22-15,0-3 39 0,0 0-39 0,0 0 40 0,0 0-40 16,0 0-1-16,0 0 1 0,0 0-1 0,0 0 1 16,0 5 0-16,3-2 0 0,-3-1 0 0,0 4 0 0,0-1-40 15,-3 2 40-15,3 1-39 0,-5-3 39 0,2 3-7 16,-1 3 7-16,3-3-7 0,-4 4 7 0,2-1 35 16,-2 2-35-16,2-4 36 0,-2 2-36 0,5 5-3 15,-3-4 3-15,2-1-3 0,1-6 3 0,-2 6-37 16,0-2 37-16,2 18-37 0,0 9 37 0,0 0 3 15,-3 0-3-15,3-12 4 0,-1-8-4 0,1-1 23 16,-3-7-23-16,3 14 24 0,-5 8-24 0,5-2 0 16,-5 5 0-16,4-12 0 0,-1-3 0 0,-1 3-26 0,0 2 26 15,3-2-25-15,0 2 25 0,0 10 5 0,1 13-5 16,-1-18 6-16,-1-4-6 0,-1 4 36 0,-3 2-36 16,2-7 36-16,0-2-36 0,1 5-1 0,2-1 1 0,-4 10 0 15,-3 1 0-15,3 5 23 0,-4 6-23 0,3-13 24 16,-1-5-24-16,-1 0-17 0,1 1 17 0,1-5-16 15,2-4 16-15,2 5 16 0,-4-1-16 0,3 2 17 16,1-3-17-16,1 1-4 0,0 3 4 0,0 14-4 16,1 7 4-16,-1-13-38 0,-1-4 38 0,1-7-38 15,0-3 38-15,-3-2-5 0,1 0 5 0,-1 4-4 16,3-1 4-16,-3 3 18 0,1 5-18 0,2-8 19 16,0 1-19-16,0 1 1 0,0 2-1 0,0-7 1 15,0 1-1-15,0 7-11 0,0 6 11 0,0-13-11 16,0-6 11-16,0 9 1 0,2-2-1 0,1 2 1 0,-3 2-1 15,0-2 0-15,0 4 0 0,0-8 0 0,0-2 0 16,-3 4 11-16,1 3-11 0,-3 9 11 0,-1 10-11 16,1-8-21-16,2 0 21 0,2-4-21 0,-3-7 21 0,0-2-4 15,-3 2 4-15,1 5-3 0,-2 3 3 16,2-1-34-16,0-4 34 0,2-3-33 0,0 2 33 0,-3 1 48 16,3 6-48-16,-1-8 49 0,2-8-49 0,0 7-2 15,-2 4 2-15,3-3-2 0,-4 3 2 0,4 2-48 16,-2-3 48-16,1-3-48 0,3-3 48 0,-4 3 6 15,3-1-6-15,-2 9 7 0,0 6-7 0,1-4 61 16,-4 1-61-16,4-8 61 0,-1-4-61 0,1 1-4 16,-1-2 4-16,3 2-3 0,-3 5 3 0,1 0-36 15,2 0 36-15,0-8-35 0,-1-3 35 0,1 1 22 0,0 7-22 16,-2 2 23-16,2 9-23 0,-3-2 1 0,3 0-1 16,-1-7 1-16,-3-9-1 0,1 5 10 0,-2-1-10 15,2-6 10-15,2-5-10 0,-2 6-32 0,1 1 32 0,2 5-32 16,-3 10 32-16,3-7 0 0,0 0 0 0,0-7 0 15,3-7 0-15,-3 3 32 0,0 2-32 0,0-3 33 16,0 1-33-16,0 3 1 0,0 2-1 0,0-1 1 16,0-6-1-16,0 3-25 0,-3 2 25 0,3-1-24 15,-5 1 24-15,5-1 5 0,-3 3-5 0,0-3 5 16,1-3-5-16,2 2-7 0,0 3 7 0,-3 1-7 16,2 1 7-16,-1 4 13 0,0 1-13 0,2-3 14 15,-3-3-14-15,2 2-7 0,-3-2 7 0,1-2-7 16,2 2 7-16,-4-1 1 0,3 2-1 0,1-6 1 15,1-2-1-15,-3 0 10 0,3 2-10 0,0-1 11 0,-2 0-11 16,2 4 8-16,-1 4-8 0,1-7 8 0,0-3-8 16,-2 2-3-16,2 1 3 0,-5 7-3 0,2 2 3 15,0-1 26-15,1 2-26 0,-2-6 26 0,2-6-26 0,0-1 2 16,-1 0-2-16,2 1 2 0,-2 3-2 0,-1 1-5 16,3 2 5-16,-2-10-4 0,3-2 4 0,-3 2-38 15,3 2 38-15,0-2-37 0,-2 3 37 0,2 5 18 16,0 4-18-16,0-10 19 0,0-6-19 0,0 9 1 15,-3 0-1-15,1 4 2 0,1-3-2 0,-1 5 2 0,2-1-2 16,0-5 3-16,0-4-3 0,0 1-11 16,0 1 11-16,0-2-11 0,0-4 11 0,0 0-42 0,0 1 42 15,0-1-42-15,-3-1 42 0,3 0-3 16,0 0 3-16,0-1-3 0,0-1 3 0,0-2-193 0,3 5 193 16,-3-4-192-16,0 0 192 0,0 5-2062 0</inkml:trace>
   <inkml:trace contextRef="#ctx0" brushRef="#br0" timeOffset="5348.61">1892 6999 639 0,'0'0'0'0,"0"0"0"0,0 0 0 15,0 0 194-15,0 0-194 0,0 0 195 16,0 0-195-16,0 0 153 0,0 0-153 0,0 0 153 0,0 0-153 16,0 0 247-16,0 0-247 0,0 0 248 0,0 0-248 15,0 0 202-15,0 0-202 0,0 0 203 0,0 0-203 16,0 0 147-16,20 1-147 0,-7 2 147 0,-2 0-147 0,6-1 119 16,4-4-119-16,-9 2 119 0,1 0-119 0,3 0 36 15,0-3-36-15,4 0 37 0,-1 2-37 0,2-6 60 16,-1-1-60-16,-2 1 60 0,0-3-60 15,0 2 12-15,-2 1-12 0,-1 2 13 0,-2-1-13 0,3-1 0 16,1 1 0-16,-6 3 1 0,-3 1-1 0,5 2 8 16,1-4-8-16,0 2 9 0,3 0-9 0,7-1 21 15,6-1-21-15,-6-1 21 0,-4 2-21 0,7-8 0 16,-2-2 0-16,-4 8 1 0,-5 1-1 0,1-2 23 0,3 4-23 16,-4-1 24-16,-3 0-24 0,6 1 0 0,-2-1 0 15,-4 3 1-15,-5 0-1 0,7 0 0 0,1 3 0 16,13-6 0-16,7-2 0 0,-3 2 32 0,3 2-32 15,-14-1 33-15,-6 2-33 0,3-2-4 0,-6 2 4 16,12-4-3-16,3 1 3 0,1-1-2 0,-1 0 2 0,-4 1-1 16,-4 1 1-16,1-1 9 0,3-2-9 0,-7 2 10 15,2-2-10-15,3 2 15 0,6 0-15 0,-9 1 16 16,-5-1-16-16,10 2 1 0,3-1-1 0,-10 1 2 16,-1 1-2-16,5 0-21 0,4 0 21 0,-6 0-21 15,1-4 21-15,6 4 38 0,-1-1-38 0,-2 1 39 16,-2-2-39-16,4 2 0 0,4-1 0 0,-10 1 0 15,-4 0 0-15,7 0-6 0,10-3 6 0,-8 3-5 16,-2 0 5-16,9 3 5 0,2-3-5 0,-6 0 6 16,-9 0-6-16,7 0 32 0,2 1-32 0,-5 1 33 0,-3-2-33 15,4 1 1-15,3 3-1 0,7-3 2 0,3 2-2 16,4 0 3-16,1-3-3 0,-19 2 3 0,-8 0-3 16,3 2 12-16,4-2-12 0,12 4 13 0,11 2-13 15,-5-3 22-15,4-5-22 0,-16 3 22 0,-11-2-22 0,4 3-46 16,-2-4 46-16,21 0-46 0,10 0 46 0,-3 0 2 15,-2-5-2-15,-16 5 2 0,-7 1-2 0,-1 3 36 16,1-4-36-16,15 0 36 0,13 0-36 0,-3-4-9 16,1 0 9-16,-17 1-8 0,-6 6 8 0,1-3-26 15,3 0 26-15,9 0-26 0,4 0 26 0,-2 0 2 16,2 0-2-16,-12 0 2 0,-9-3-2 0,8 3 38 0,4-2-38 16,9 2 39-16,8-3-39 0,-5 3-7 0,-3 3 7 15,-8-3-6-15,-12-3 6 0,7 3-41 0,1 0 41 16,12 0-40-16,3 0 40 0,2 0 37 0,1-3-37 15,-17 3 37-15,-6-2-37 0,7 4 12 0,-1 1-12 0,10-3 13 16,4-5-13-16,-2 5-5 0,2 0 5 0,1-3-5 16,-4 0 5-16,-2 1-12 0,-1-1 12 0,-6 2-12 15,-2 1 12-15,4 0-11 0,1 0 11 0,1 0-10 16,4-2 10-16,1 2 32 0,4-2-32 0,-10 2 32 16,-5 0-32-16,6 0-7 0,4 4 7 0,-2 0-6 15,1-4 6-15,-1 2-35 0,3-2 35 0,-1 3-34 16,-3-3 34-16,8 0 1 0,3 3-1 0,-11-3 1 15,-12 0-1-15,11 2 40 0,4-2-40 0,-2 0 40 16,3 0-40-16,1 0 0 0,4 3 0 0,-10-3 0 16,-7 3 0-16,12 2-37 0,3 6 37 0,-3-7-37 0,-5 0 37 15,1 0 13-15,4-2-13 0,-8 1 13 0,-5 0-13 16,8-1 0-16,1 1 0 0,8 2 0 0,4 5 0 16,-4-5 34-16,-1 0-34 0,-16 1 34 0,-6-1-34 15,5-2-42-15,1-1 42 0,13 1-42 0,5-3 42 0,-2 0 14 16,2 0-14-16,-17 0 15 0,-11 3-15 0,6-3 42 15,5 1-42-15,8 3 42 0,12-4-42 0,-5 3-13 16,-2 1 13-16,-6-4-13 0,-8 0 13 0,8 4 0 16,2 0 0-16,-5-4 1 0,-1 0-1 0,4 2 1 15,-3 1-1-15,-1 0 1 0,-4-3-1 0,6 0 6 16,-3 0-6-16,-2 0 7 0,-4 0-7 0,6 2-4 0,4 4 4 16,1-3-3-16,1-3 3 0,-1 2-15 0,0-2 15 15,-7 0-15-15,-1-2 15 0,0 1 1 0,2-1-1 16,-8-1 1-16,-7 3-1 0,5 3 32 0,1-3-32 15,13 2 33-15,7-2-33 0,-3 1-43 0,2 4 43 0,-12-5-43 16,-12 1 43-16,6 3 1 0,-1-4-1 0,9 0 1 16,4 0-1-16,1 0-7 0,-2 0 7 0,-9 0-7 15,-7 0 7-15,4 3 31 0,-1-2-31 0,13-1 31 16,8-1-31-16,-6 1 0 0,1 0 0 0,-10 0 0 16,-6-3 0-16,4-1-8 0,-2-2 8 0,-2 5-7 15,-1 1 7-15,2-2 0 0,2-1 0 0,-2 1 0 16,-1 1 0-16,4 1 23 0,3 1-23 0,3-4 24 15,3-2-24-15,-5 2 3 0,2 0-3 0,-6 0 3 16,-5 1-3-16,2-2 1 0,-7 1-1 0,-2 3 1 16,-1 0-1-16,5 0-15 0,-3 0 15 0,4-4-15 0,2 3 15 15,2-2 2-15,-2 0-2 0,-7 1 2 0,-6 2-2 16,6-3 27-16,-1 1-27 0,1-1 27 0,2 0-27 16,5 0-20-16,2 1 20 0,-10-1-20 0,-3 2 20 0,6-3-28 15,2 1 28-15,-5 2-28 0,-5-2 28 0,8 3-8 16,1-5 8-16,3 2-7 0,6-5 7 0,-7 3 41 15,-1-1-41-15,0 4 41 0,-7-2-41 0,4 1-27 16,-2-2 27-16,-3 2-27 0,-3 0 27 0,3 1-3 16,3-4 3-16,-7 4-2 0,4-1 2 0,0 3 11 15,-1-5-11-15,-1 5 11 0,2-3-11 0,-4 2 7 16,4-3-7-16,-4 4 8 0,0-3-8 0,1 2 5 16,-2 1-5-16,2 0 5 0,-2 0-5 0,-3 0-26 0,2-2 26 15,-2 2-25-15,0 0 25 0,0 0 9 0,3-1-9 16,-3 1 9-16,3 0-9 0,-3 0 36 0,5 0-36 15,-5 0 37-15,0 0-37 0,0 0-22 0,0 0 22 16,0 0-22-16,0 0 22 0,0 0-25 0,0 0 25 0,0 0-24 16,0 0 24-16,0 0 9 0,0 0-9 0,0 0 9 15,0 0-9-15,0 0 29 0,0 0-29 0,0 0 29 16,-4-7-29-16,4 3 0 0,-1-1 0 0,1 0 1 16,1-3-1-16,3 1-33 0,-3-1 33 0,2-5-32 15,1-1 32-15,0-3-142 0,1-2 142 0,3 2-142 16,0-2 142-16,8-17-2248 0</inkml:trace>
-  <inkml:trace contextRef="#ctx0" brushRef="#br0" timeOffset="8729.85">4341 5516 1121 0,'0'0'0'0,"-5"-3"0"0,-3-2 0 15,3-1 268-15,-1 1-268 0,4 0 269 0,-1 2-269 0,2-2 164 16,-3 1-164-16,4 0 164 0,-3-3-164 0,2 2 133 15,1 2-133-15,0-2 133 0,-3-1-133 0,-2 1 139 16,-1 0-139-16,1-1 139 0,3 0-139 0,-1-2 63 16,-2-3-63-16,2 0 64 0,3-2-64 0,-5-2 98 15,2-1-98-15,0-1 99 0,2-4-99 0,-4-1 38 16,-1-1-38-16,1 1 39 0,0-2-39 0,2 1 21 16,-5-1-21-16,3 4 21 0,-3 0-21 0,4-2 19 15,-1 0-19-15,-1 1 20 0,4-1-20 0,-1 2 23 0,-2-1-23 16,2-2 24-16,0-2-24 0,-2-5 13 0,0 0-13 15,1-6 14-15,0 2-14 0,1 1-1 0,-1-2 1 0,0 7 0 16,3 0 0-16,-2-1-3 0,1-2 3 16,4 4-3-16,1 2 3 0,-3 0 18 0,0-2-18 0,1-1 19 15,3-6-19-15,-1 1 15 0,1-3-15 0,0 4 15 16,-3-1-15-16,7-1 6 0,0 1-6 0,3-3 6 16,2 1-6-16,-4 2 51 0,2-3-51 0,2 0 51 15,-1 1-51-15,4-4-5 0,-3 2 5 0,3 1-5 16,-1-2 5-16,3 2 22 0,1-2-22 0,-2 2 22 15,4 1-22-15,-1-1 24 0,7 0-24 0,-2-3 25 16,-1 0-25-16,1 1-10 0,-1 2 10 0,-2 2-10 16,1 2 10-16,1-1 5 0,1-6-5 0,1 3 6 15,0 3-6-15,3 2 49 0,4 4-49 0,-1-3 49 16,1-4-49-16,0 2-11 0,-2 4 11 0,-2 0-10 0,1 1 10 16,4 2 3-16,0 0-3 0,-1-2 4 15,3 2-4-15,0-2 21 0,2-6-21 0,3 7 21 0,2 2-21 16,6-7 2-16,4-7-2 0,-12 15 3 0,-4 2-3 15,-1-2-10-15,-3 2 10 0,3 2-10 0,2 2 10 0,2 1-18 16,1 1 18-16,-2 1-18 0,-3 1 18 0,-2 1 22 16,2-1-22-16,-3 2 23 0,0 2-23 0,3-6 21 15,1 0-21-15,1 5 21 0,4-2-21 0,-4 4-1 16,-2 0 1-16,1 0 0 0,-1-3 0 0,0 2-5 16,-3 1 5-16,0 2-5 0,-1 4 5 0,1-1 15 15,3 6-15-15,2-3 16 0,3 0-16 0,-1-3 1 16,-4-2-1-16,-3 2 1 0,-1 6-1 0,1-3-7 15,3 2 7-15,-3 1-7 0,-1-3 7 0,1 0-15 0,3 3 15 16,1 2-15-16,0-2 15 0,-5 5-2 0,1 1 2 16,-1-4-1-16,-2-2 1 0,1 2 12 0,-2 1-12 0,-4-1 13 15,-5 0-13-15,7 1-1 0,3-1 1 0,-9 2 0 16,-2 3 0-16,11 1-28 0,9 0 28 0,-26-7-28 16,-18 0 28-16,14 0 2 0,3 1-2 0,21 14 2 15,16 4-2-15,-8-2 14 0,3 2-14 0,-13-9 15 16,-10-3-15-16,-21-11 23 0,0 0-23 0,41 24 24 15,13 9-24-15,-54-33 0 0,0 0 0 0,64 42 0 16,9 4 0-16,-73-46-3 0,0 0 3 0,63 47-3 16,0-3 3-16,-63-44-43 0,0 0 43 0,57 50-43 15,-8-1 43-15,-49-49 40 0,0 0-40 0,53 56 41 16,-4-1-41-16,-49-55 8 0,0 0-8 0,48 57 9 16,-6 2-9-16,-42-59 0 0,0 0 0 0,40 49 1 15,-10-2-1-15,-30-47-1 0,0 0 1 0,34 52-1 16,-1 7 1-16,-9 6 0 0,-6 5 0 0,-6-32 0 0,-4-22 0 15,-8-16 2-15,0 0-2 0,11 34 2 16,-3 7-2-16,-8-41-6 0,0 0 6 0,9 47-5 0,-1 5 5 16,0 9 0-16,0 10 0 0,-3-31 0 0,-5-13 0 0,0-27 39 15,0 0-39-15,0 44 40 0,0 11-40 0,0-6-12 16,0-2 12-16,-3-10-12 0,1-2 12 0,2 1-18 16,-5-3 18-16,2 6-18 0,-2 3 18 0,5-42-8 15,0 0 8-15,-7 49-8 0,-1 6 8 0,0-6 2 16,0-2-2-16,0-10 2 0,3-5-2 0,1 1 3 15,-4 1-3-15,0-1 3 0,0 2-3 0,8-35-2 16,0 0 2-16,-11 44-1 0,-2 0 1 0,1-5-6 0,-1-3 6 16,0-3-5-16,5-2 5 0,-3 2 8 0,2 2-8 15,-4-4 8-15,2 1-8 0,-4-3 9 0,2 3-9 16,-3-4 10-16,0 3-10 0,16-31-7 0,0 0 7 0,-20 32-7 16,-2 1 7-16,-2-2-25 0,4-6 25 0,1 2-24 15,1-4 24-15,-2 10-39 0,1 7 39 0,1-15-38 16,1-3 38-16,-2 1 9 0,-1-6-9 0,2 4 10 15,-2 1-10-15,-2 0 30 0,0-2-30 0,-2 2 30 16,-1-1-30-16,25-21-1 0,0 0 1 0,-32 23 0 16,-6 1 0-16,2-2-34 0,4 4 34 0,1-8-33 15,4-4 33-15,-1 3-5 0,-4 2 5 0,8-8-5 16,4-2 5-16,-1-1 28 0,-2 0-28 0,-3 3 28 16,1 1-28-16,-3 4 0 0,-1 0 0 0,1-2 0 15,0 0 0-15,-1-1 4 0,1-2-4 0,-1 3 5 0,-2 0-5 16,2 2-4-16,-1-4 4 0,4 1-3 0,0 2 3 15,-2-4 3-15,3 2-3 0,-4-4 4 0,-2 2-4 16,1-3 7-16,1 3-7 0,1-3 8 0,0 0-8 0,-1 0-4 16,1 1 4-16,1-1-4 0,2 0 4 0,-4 0-44 15,4-1 44-15,-3 1-43 0,-1-3 43 0,-2 3-8 16,-1-5 8-16,2 5-7 0,-1 0 7 0,1-4 40 16,-2 4-40-16,4 0 41 0,2 0-41 0,-5-3-6 15,1-2 6-15,3 5-6 0,2-1 6 0,1 1-15 16,1 2 15-16,0-6-14 0,0-2 14 0,-2 0-8 15,-2-4 8-15,1 2-7 0,-2-2 7 0,3 4-11 16,1 3 11-16,-1-4-11 0,4 2 11 0,-2-6 33 16,-1-1-33-16,4-1 34 0,-1 0-34 0,1 2-20 0,-4-5 20 15,2 5-19-15,-2 1 19 0,-3-1 0 0,2 3 0 16,0 0 1-16,1-4-1 0,4-3-26 0,-4-2 26 0,3 3-26 16,4-1 26-16,-3 1 0 0,4 1 0 0,0 1 0 15,-1-3 0-15,1 6 0 0,-3-2 0 0,5-2 1 16,-2-3-1-16,0 0-5 0,0 2 5 0,4-2-5 15,-1-1 5-15,1-2-7 0,-1 1 7 0,-3 2-7 16,0 1 7-16,-4-1 0 0,-1 3 0 0,1-3 0 16,-1 0 0-16,2 1 4 0,2-6-4 0,1 4 4 15,-1 2-4-15,1-4 1 0,3-1-1 0,-2 4 1 16,2 0-1-16,2 3 0 0,-5-2 0 0,4 3 0 16,2 0 0-16,-4-4 7 0,1-8-7 0,1 8 8 15,-1-3-8-15,0 3 14 0,1 1-14 0,1 5 15 0,-2 4-15 16,1-4-4-16,1 2 4 0,-2-5-3 0,0-1 3 15,1-3-3-15,1-2 3 0,-5 3-2 0,3-3 2 16,-3 1-7-16,4 3 7 0,-4-4-6 0,3 3 6 16,1 3 15-16,-1-3-15 0,1 0 16 0,0-3-16 0,0 2-3 15,-1 1 3-15,2 0-2 0,2 4 2 0,-2-7-26 16,-2 0 26-16,2 4-26 0,-2-1 26 0,4 2-7 16,-4 1 7-16,5-2-6 0,1 2 6 0,-1-6 42 15,-3 2-42-15,3-2 42 0,3 3-42 0,-4 0-11 16,1-2 11-16,0 1-10 0,3 0 10 0,-3-4-17 15,0 0 17-15,0 2-16 0,-4 1 16 0,4 0 5 16,3-1-5-16,-3 3 5 0,5 4-5 0,-5-4 18 0,0 0-18 16,-1 0 19-16,1 0-19 0,0 0-4 0,-3-3 4 15,1 2-3-15,3-4 3 0,-4-2-36 0,1 1 36 0,5-1-36 16,-1 0 36-16,1 1 12 0,1-2-12 16,0 2 13-16,4-2-13 0,-4-3-21 0,1 2 21 15,1 1-21-15,-1 1 21 0,3-1-268 0,0 3 268 0,0-2-267 16,-3 2 267-16,1-14-1955 0</inkml:trace>
+  <inkml:trace contextRef="#ctx0" brushRef="#br0" timeOffset="8729.84">4341 5516 1121 0,'0'0'0'0,"-5"-3"0"0,-3-2 0 15,3-1 268-15,-1 1-268 0,4 0 269 0,-1 2-269 0,2-2 164 16,-3 1-164-16,4 0 164 0,-3-3-164 0,2 2 133 15,1 2-133-15,0-2 133 0,-3-1-133 0,-2 1 139 16,-1 0-139-16,1-1 139 0,3 0-139 0,-1-2 63 16,-2-3-63-16,2 0 64 0,3-2-64 0,-5-2 98 15,2-1-98-15,0-1 99 0,2-4-99 0,-4-1 38 16,-1-1-38-16,1 1 39 0,0-2-39 0,2 1 21 16,-5-1-21-16,3 4 21 0,-3 0-21 0,4-2 19 15,-1 0-19-15,-1 1 20 0,4-1-20 0,-1 2 23 0,-2-1-23 16,2-2 24-16,0-2-24 0,-2-5 13 0,0 0-13 15,1-6 14-15,0 2-14 0,1 1-1 0,-1-2 1 0,0 7 0 16,3 0 0-16,-2-1-3 0,1-2 3 16,4 4-3-16,1 2 3 0,-3 0 18 0,0-2-18 0,1-1 19 15,3-6-19-15,-1 1 15 0,1-3-15 0,0 4 15 16,-3-1-15-16,7-1 6 0,0 1-6 0,3-3 6 16,2 1-6-16,-4 2 51 0,2-3-51 0,2 0 51 15,-1 1-51-15,4-4-5 0,-3 2 5 0,3 1-5 16,-1-2 5-16,3 2 22 0,1-2-22 0,-2 2 22 15,4 1-22-15,-1-1 24 0,7 0-24 0,-2-3 25 16,-1 0-25-16,1 1-10 0,-1 2 10 0,-2 2-10 16,1 2 10-16,1-1 5 0,1-6-5 0,1 3 6 15,0 3-6-15,3 2 49 0,4 4-49 0,-1-3 49 16,1-4-49-16,0 2-11 0,-2 4 11 0,-2 0-10 0,1 1 10 16,4 2 3-16,0 0-3 0,-1-2 4 15,3 2-4-15,0-2 21 0,2-6-21 0,3 7 21 0,2 2-21 16,6-7 2-16,4-7-2 0,-12 15 3 0,-4 2-3 15,-1-2-10-15,-3 2 10 0,3 2-10 0,2 2 10 0,2 1-18 16,1 1 18-16,-2 1-18 0,-3 1 18 0,-2 1 22 16,2-1-22-16,-3 2 23 0,0 2-23 0,3-6 21 15,1 0-21-15,1 5 21 0,4-2-21 0,-4 4-1 16,-2 0 1-16,1 0 0 0,-1-3 0 0,0 2-5 16,-3 1 5-16,0 2-5 0,-1 4 5 0,1-1 15 15,3 6-15-15,2-3 16 0,3 0-16 0,-1-3 1 16,-4-2-1-16,-3 2 1 0,-1 6-1 0,1-3-7 15,3 2 7-15,-3 1-7 0,-1-3 7 0,1 0-15 0,3 3 15 16,1 2-15-16,0-2 15 0,-5 5-2 0,1 1 2 16,-1-4-1-16,-2-2 1 0,1 2 12 0,-2 1-12 0,-4-1 13 15,-5 0-13-15,7 1-1 0,3-1 1 0,-9 2 0 16,-2 3 0-16,11 1-28 0,9 0 28 0,-26-7-28 16,-18 0 28-16,14 0 2 0,3 1-2 0,21 14 2 15,16 4-2-15,-8-2 14 0,3 2-14 0,-13-9 15 16,-10-3-15-16,-21-11 23 0,0 0-23 0,41 24 24 15,13 9-24-15,-54-33 0 0,0 0 0 0,64 42 0 16,9 4 0-16,-73-46-3 0,0 0 3 0,63 47-3 16,0-3 3-16,-63-44-43 0,0 0 43 0,57 50-43 15,-8-1 43-15,-49-49 40 0,0 0-40 0,53 56 41 16,-4-1-41-16,-49-55 8 0,0 0-8 0,48 57 9 16,-6 2-9-16,-42-59 0 0,0 0 0 0,40 49 1 15,-10-2-1-15,-30-47-1 0,0 0 1 0,34 52-1 16,-1 7 1-16,-9 6 0 0,-6 5 0 0,-6-32 0 0,-4-22 0 15,-8-16 2-15,0 0-2 0,11 34 2 16,-3 7-2-16,-8-41-6 0,0 0 6 0,9 47-5 0,-1 5 5 16,0 9 0-16,0 10 0 0,-3-31 0 0,-5-13 0 0,0-27 39 15,0 0-39-15,0 44 40 0,0 11-40 0,0-6-12 16,0-2 12-16,-3-10-12 0,1-2 12 0,2 1-18 16,-5-3 18-16,2 6-18 0,-2 3 18 0,5-42-8 15,0 0 8-15,-7 49-8 0,-1 6 8 0,0-6 2 16,0-2-2-16,0-10 2 0,3-5-2 0,1 1 3 15,-4 1-3-15,0-1 3 0,0 2-3 0,8-35-2 16,0 0 2-16,-11 44-1 0,-2 0 1 0,1-5-6 0,-1-3 6 16,0-3-5-16,5-2 5 0,-3 2 8 0,2 2-8 15,-4-4 8-15,2 1-8 0,-4-3 9 0,2 3-9 16,-3-4 10-16,0 3-10 0,16-31-7 0,0 0 7 0,-20 32-7 16,-2 1 7-16,-2-2-25 0,4-6 25 0,1 2-24 15,1-4 24-15,-2 10-39 0,1 7 39 0,1-15-38 16,1-3 38-16,-2 1 9 0,-1-6-9 0,2 4 10 15,-2 1-10-15,-2 0 30 0,0-2-30 0,-2 2 30 16,-1-1-30-16,25-21-1 0,0 0 1 0,-32 23 0 16,-6 1 0-16,2-2-34 0,4 4 34 0,1-8-33 15,4-4 33-15,-1 3-5 0,-4 2 5 0,8-8-5 16,4-2 5-16,-1-1 28 0,-2 0-28 0,-3 3 28 16,1 1-28-16,-3 4 0 0,-1 0 0 0,1-2 0 15,0 0 0-15,-1-1 4 0,1-2-4 0,-1 3 5 0,-2 0-5 16,2 2-4-16,-1-4 4 0,4 1-3 0,0 2 3 15,-2-4 3-15,3 2-3 0,-4-4 4 0,-2 2-4 16,1-3 7-16,1 3-7 0,1-3 8 0,0 0-8 0,-1 0-4 16,1 1 4-16,1-1-4 0,2 0 4 0,-4 0-44 15,4-1 44-15,-3 1-43 0,-1-3 43 0,-2 3-8 16,-1-5 8-16,2 5-7 0,-1 0 7 0,1-4 40 16,-2 4-40-16,4 0 41 0,2 0-41 0,-5-3-6 15,1-2 6-15,3 5-6 0,2-1 6 0,1 1-15 16,1 2 15-16,0-6-14 0,0-2 14 0,-2 0-8 15,-2-4 8-15,1 2-7 0,-2-2 7 0,3 4-11 16,1 3 11-16,-1-4-11 0,4 2 11 0,-2-6 33 16,-1-1-33-16,4-1 34 0,-1 0-34 0,1 2-20 0,-4-5 20 15,2 5-19-15,-2 1 19 0,-3-1 0 0,2 3 0 16,0 0 1-16,1-4-1 0,4-3-26 0,-4-2 26 0,3 3-26 16,4-1 26-16,-3 1 0 0,4 1 0 0,0 1 0 15,-1-3 0-15,1 6 0 0,-3-2 0 0,5-2 1 16,-2-3-1-16,0 0-5 0,0 2 5 0,4-2-5 15,-1-1 5-15,1-2-7 0,-1 1 7 0,-3 2-7 16,0 1 7-16,-4-1 0 0,-1 3 0 0,1-3 0 16,-1 0 0-16,2 1 4 0,2-6-4 0,1 4 4 15,-1 2-4-15,1-4 1 0,3-1-1 0,-2 4 1 16,2 0-1-16,2 3 0 0,-5-2 0 0,4 3 0 16,2 0 0-16,-4-4 7 0,1-8-7 0,1 8 8 15,-1-3-8-15,0 3 14 0,1 1-14 0,1 5 15 0,-2 4-15 16,1-4-4-16,1 2 4 0,-2-5-3 0,0-1 3 15,1-3-3-15,1-2 3 0,-5 3-2 0,3-3 2 16,-3 1-7-16,4 3 7 0,-4-4-6 0,3 3 6 16,1 3 15-16,-1-3-15 0,1 0 16 0,0-3-16 0,0 2-3 15,-1 1 3-15,2 0-2 0,2 4 2 0,-2-7-26 16,-2 0 26-16,2 4-26 0,-2-1 26 0,4 2-7 16,-4 1 7-16,5-2-6 0,1 2 6 0,-1-6 42 15,-3 2-42-15,3-2 42 0,3 3-42 0,-4 0-11 16,1-2 11-16,0 1-10 0,3 0 10 0,-3-4-17 15,0 0 17-15,0 2-16 0,-4 1 16 0,4 0 5 16,3-1-5-16,-3 3 5 0,5 4-5 0,-5-4 18 0,0 0-18 16,-1 0 19-16,1 0-19 0,0 0-4 0,-3-3 4 15,1 2-3-15,3-4 3 0,-4-2-36 0,1 1 36 0,5-1-36 16,-1 0 36-16,1 1 12 0,1-2-12 16,0 2 13-16,4-2-13 0,-4-3-21 0,1 2 21 15,1 1-21-15,-1 1 21 0,3-1-268 0,0 3 268 0,0-2-267 16,-3 2 267-16,1-14-1955 0</inkml:trace>
   <inkml:trace contextRef="#ctx0" brushRef="#br0" timeOffset="10631.54">5130 3579 740 0,'0'0'0'0,"0"0"0"0,0 0 0 0,0 0 339 0,0 0-339 0,0 0 340 15,0 0-340-15,0 0 217 0,0 0-217 0,0 0 217 16,0 0-217-16,0 0 142 0,0 0-142 0,0 0 142 16,-4-20-142-16,3 4 137 0,-2 1-137 0,1-1 137 15,2-3-137-15,0 2 136 0,5-2-136 0,0 2 136 16,-2-2-136-16,5 2 14 0,-1-2-14 0,3-2 15 16,-2-2-15-16,3-1 57 0,2 1-57 0,-4-1 58 15,2 2-58-15,2 0 17 0,-1 2-17 0,-1 3 17 16,-3-2-17-16,5 2-38 0,-1 1 38 0,1 0-38 15,-2 5 38-15,-1 2 14 0,-3 1-14 0,1-3 15 16,-3 3-15-16,3 0 40 0,-3-4-40 0,1 4 40 16,-1 0-40-16,-2 0 5 0,2 0-5 0,-4 4 5 0,2-3-5 15,1 3 33-15,0-1-33 0,1 0 33 0,1 2-33 16,-1 0 26-16,0-2-26 0,-2 2 26 0,2 1-26 16,-2-1 1-16,2 0-1 0,-4 6 1 0,2 0-1 0,-3 5 5 15,0 0-5-15,3 5 5 0,-3-1-5 0,0 4 60 16,5 0-60-16,-2 4 61 0,-1 4-61 0,1-1 8 15,2 5-8-15,-2 1 9 0,2-6-9 0,-2 9 39 16,2 0-39-16,-2-8 40 0,1 0-40 0,4-1 31 16,-3-2-31-16,3-1 31 0,-5-4-31 0,5 4-36 15,-2-1 36-15,1-3-36 0,1-4 36 0,-4 1-8 16,1-1 8-16,-2 2-8 0,-3-4 8 0,0 1 10 0,0 1-10 16,0-4 11-16,0-3-11 0,0 3 3 0,0-2-3 15,0-1 4-15,-3-1-4 0,3-1-1 0,0 2 1 16,0-2-1-16,-3-3 1 0,3 0-68 0,-2 2 68 0,2-2-67 15,0 0 67-15,0 0-262 0,0 0 262 0,0-2-262 16,5-6 262-16,-2 1-1819 0</inkml:trace>
   <inkml:trace contextRef="#ctx0" brushRef="#br0" timeOffset="10941.11">5227 3408 1804 0,'0'0'0'0,"13"-3"0"0,6 2 0 0,-6-3 302 16,-2 0-302-16,-7 1 303 0,1-2-303 0,3-3 193 16,0 2-193-16,1 1 193 0,2 2-193 0,2-2 82 15,0 1-82-15,-1-1 83 0,2 2-83 0,-1 0-20 16,3 3 20-16,-4 0-20 0,1 0 20 0,15 0-2125 0</inkml:trace>
   <inkml:trace contextRef="#ctx0" brushRef="#br0" timeOffset="15245.75">1930 2037 1580 0,'0'0'0'0,"0"-3"0"0,-2-2 0 0,2 2 205 0,-3 0-205 0,3 3 206 15,0-2-206-15,3-1 173 0,2 3-173 16,-2 0 173-16,2 0-173 0,-1 3 117 0,4-3-117 0,0 0 117 16,0 0-117-16,2 0 32 0,1 0-32 0,-3 2 32 15,-1 1-32-15,6 0-22 0,0-3 22 0,-1 0-22 16,1 0 22-16,3-3-412 0,-4-2 412 0,3 2-411 15,-3-2 411-15,13-6-1164 0</inkml:trace>
   <inkml:trace contextRef="#ctx0" brushRef="#br0" timeOffset="15474.25">2611 1971 1782 0,'0'0'0'0,"5"-2"0"0,-2-4 0 0,-1 6 204 15,4 3-204-15,-4-3 205 0,1 0-205 0,-3 0 171 16,0 0-171-16,5 3 172 0,-2 2-172 0,5-2 56 16,-4-1-56-16,4 1 57 0,0-3-57 0,2 0-315 15,-3 0 315-15,5-3-314 0,2-2 314 0,13 0-1375 16</inkml:trace>
-  <inkml:trace contextRef="#ctx0" brushRef="#br0" timeOffset="15618.85">3042 2001 1659 0,'0'0'0'0,"10"-3"0"0,10-2 0 0,-9 5 197 0,2-3-197 0,-5 6 197 16,1 2-197-16,2-5 1 0,2 0-1 0,-2 0 2 15,1 0-2-15,14 0-1483 0</inkml:trace>
+  <inkml:trace contextRef="#ctx0" brushRef="#br0" timeOffset="15618.84">3042 2001 1659 0,'0'0'0'0,"10"-3"0"0,10-2 0 0,-9 5 197 0,2-3-197 0,-5 6 197 16,1 2-197-16,2-5 1 0,2 0-1 0,-2 0 2 15,1 0-2-15,14 0-1483 0</inkml:trace>
   <inkml:trace contextRef="#ctx0" brushRef="#br0" timeOffset="15756.98">3405 2021 1087 0,'0'0'0'0,"8"-3"0"15,8-5 0-15,-4 5 287 0,1 1-287 0,0-1 288 16,-2 2-288-16,1 1 205 0,4 0-205 0,1-7 206 0,-1 3-206 15,0-1 54-15,4 5-54 0,-2 0 54 0,2 0-54 16,20-3-1590-16</inkml:trace>
   <inkml:trace contextRef="#ctx0" brushRef="#br0" timeOffset="15907">3951 1977 460 0,'0'0'0'0,"8"-3"0"0,8-5 0 0,-4 8 158 15,4 3-158-15,-3-3 159 0,2 0-159 0,-2 5 86 16,0-2-86-16,-2 5 86 0,-2 0-86 0,2-7 121 16,-3-2-121-16,2 1 122 0,1 0-122 0,6 0-865 0</inkml:trace>
   <inkml:trace contextRef="#ctx0" brushRef="#br0" timeOffset="16053.51">4516 1982 1849 0,'0'0'0'0,"0"0"0"16,6 0 0-16,4 0 257 0,2-3-257 0,4 1 257 16,-3 2-257-16,2 0 51 0,3 0-51 0,-3 0 51 15,1 0-51-15,16 0-1802 0</inkml:trace>
@@ -179,7 +177,7 @@
   <inkml:trace contextRef="#ctx0" brushRef="#br0" timeOffset="18621.66">1961 2479 1849 0,'0'0'0'0,"0"-3"0"0,0-2 0 0,5-1 318 0,3 5-318 16,-5-3 319-16,-3 4-319 0,0 0 170 0,0 4-170 15,8-4 171-15,5 0-171 0,-6 0 46 0,3 0-46 16,-10 0 46-16,-2 4-46 0,12-1-327 0,1-3 327 0,1 5-327 15,4-2 327-15,9 5-1557 0</inkml:trace>
   <inkml:trace contextRef="#ctx0" brushRef="#br0" timeOffset="19012.57">3706 2332 2084 0,'0'0'0'0,"3"0"0"0,5-3 0 0,0 3 159 0,2 0-159 0,9 0-1662 16,-38 0 1662-16</inkml:trace>
   <inkml:trace contextRef="#ctx0" brushRef="#br0" timeOffset="19190.09">4360 2453 1950 0,'0'0'0'0,"0"0"0"16,0 0 0-16,0 0 166 0,33-5-166 0,-13 0 167 0,4-1-167 16,18-3-1694-16</inkml:trace>
-  <inkml:trace contextRef="#ctx0" brushRef="#br0" timeOffset="19339.1">4942 2428 1636 0,'0'0'0'0,"5"-8"0"0,-1-6 0 0,7-7-1167 0</inkml:trace>
+  <inkml:trace contextRef="#ctx0" brushRef="#br0" timeOffset="19339.09">4942 2428 1636 0,'0'0'0'0,"5"-8"0"0,-1-6 0 0,7-7-1167 0</inkml:trace>
   <inkml:trace contextRef="#ctx0" brushRef="#br0" timeOffset="19549.5">5251 2495 2230 0,'0'0'0'15,"-13"-3"0"-15,-13 0 0 0,26 3 247 0,14 3-247 0,0 0 247 16,7-3-247-16,1 2 84 0,3 1-84 0,-5-3 85 16,1-3-85-16,-1 3-592 0,-1 3 592 0,-6-6-591 15,0 1 591-15,15-4-1075 0</inkml:trace>
   <inkml:trace contextRef="#ctx0" brushRef="#br0" timeOffset="20435.58">7682 2588 1367 0,'0'0'0'0,"-3"-4"0"0,-1 3 0 15,-1 1 306-15,2 0-306 0,-2 0 306 0,2-3-306 16,-2 3 251-16,5 0-251 0,0 0 252 0,-5 0-252 15,5 0 186-15,0-5-186 0,0 5 186 0,0-3-186 16,0 3 71-16,5-3-71 0,0 1 71 0,0 2-71 0,1-3-47 16,2-2 47-16,1 2-46 0,4 3 46 0,3-4-241 15,-4 0 241-15,4 3-241 0,0-2 241 0,12-2-1696 16</inkml:trace>
   <inkml:trace contextRef="#ctx0" brushRef="#br0" timeOffset="20615.28">8191 2588 1983 0,'0'0'0'16,"-19"-4"0"-16,-11 3 0 0,30 1 271 0,17 8-271 0,-6-7 272 16,2 2-272-16,4 1 150 0,7 0-150 0,-9 1 151 15,3-2-151-15,1 2-141 0,-2-2 141 0,2-1-141 16,2-4 141-16,16 2-1814 0</inkml:trace>
@@ -414,7 +412,7 @@
   <inkml:trace contextRef="#ctx1" brushRef="#br0" timeOffset="-162199.29">14803 9224 2095 0,'0'0'0'15,"-8"12"0"-15,-1 10 0 0,6-11 283 0,-2-6-283 0,3 0 284 16,4-10-284-16,-2 5 208 0,-2 5-208 0,1-4 209 15,1 2-209-15,-5 5 115 0,0 5-115 0,-1 4 115 16,-3 8-115-16,1-1 67 0,-3 5-67 0,3-2 67 16,0-3-67-16,2-1-33 0,-1 5 33 0,4-7-32 15,2-2 32-15,1 1 43 0,-4 0-43 0,4 6 43 16,4 3-43-16,-4-7 9 0,3-4-9 0,1-1 9 0,0-5-9 16,2-1-21-16,2-3 21 0,-2-3-21 15,-1-5 21-15,3 0-6 0,0-5 6 0,4-6-6 0,6-8 6 16,1-1 2-16,-4-3-2 0,0 5 2 0,-4-1-2 15,4-1 35-15,-2-2-35 0,4-3 36 0,2-3-36 0,-3 3-29 16,1-4 29-16,-6 9-29 0,-1 4 29 0,-2 1-3 16,0-6 3-16,-4 10-3 0,0 5 3 0,0 0 1 15,1-2-1-15,-2 2 1 0,-3 4-1 0,0 2 32 16,0 0-32-16,0 0 32 0,-6 0-32 0,4 0-13 16,-2 2 13-16,-1 4-12 0,2 2 12 0,-5 6 42 15,3 5-42-15,-1 1 42 0,1 2-42 0,2 2 0 16,1 2 0-16,-1-4 0 0,2-5 0 0,1 4 4 15,0-1-4-15,1-6 4 0,2-3-4 0,0 2-1 0,2 1 1 16,3-3 0-16,2 0 0 0,5-3-2 0,3 0 2 16,1-7-1-16,1 1 1 0,-3-4-170 0,4 1 170 15,-5-2-169-15,-2-1 169 0,16 0-2320 0</inkml:trace>
   <inkml:trace contextRef="#ctx1" brushRef="#br0" timeOffset="-161477.45">15368 9335 1121 0,'0'0'0'0,"13"0"0"16,10 3 0-16,-18-3 352 0,-10 0-352 0,-2 0 353 0,-6-3-353 15,5 3 322-15,0 0-322 0,0-1 322 0,3-1-322 16,2 0 231-16,2-5-231 0,-1 3 231 0,2 3-231 15,2-2 143-15,-1 0-143 0,9-5 144 0,4-2-144 16,7-1 40-16,4-3-40 0,-5 5 41 0,-2 1-41 0,4 2 45 16,0 3-45-16,-2-1 46 0,1 8-46 0,-1-3 38 15,2 5-38-15,-4 2 39 0,-2 8-39 0,-4-4 0 16,-1 4 0-16,-4 0 0 0,-6 0 0 0,-1 1-37 16,-3 2 37-16,-2 1-37 0,-7-1 37 0,1 3 37 15,0 0-37-15,1-5 37 0,-1-1-37 0,-3 1 0 16,-2 2 0-16,-3 1 0 0,-3 1 0 0,0-3-34 0,0-2 34 15,4-5-34-15,7 2 34 0,-4-5-173 0,2 1 173 16,5-4-172-16,3-4 172 0,-7 6-2189 0</inkml:trace>
   <inkml:trace contextRef="#ctx1" brushRef="#br0" timeOffset="-161229.47">15352 9384 1905 0,'0'0'0'0,"3"15"0"15,2 12 0-15,-5-11 257 0,0-8-257 0,-3 0 257 16,-2-8-257-16,1 4 222 0,-3-1-222 0,-2 10 222 16,-2 6-222-16,3 4 136 0,2 6-136 0,2 3 136 0,0 5-136 15,-3 2 42-15,3 0-42 0,-1 2 42 0,-1-3-42 16,1 1 43-16,0 0-43 0,4-8 44 15,-1-4-44-15,4-2-39 0,-1-1 39 0,2-1-39 0,-3-1 39 0,2 2-157 16,1-2 157-16,-1-13-156 0,-2-6 156 16,1 7-2088-16</inkml:trace>
-  <inkml:trace contextRef="#ctx1" brushRef="#br0" timeOffset="-160846.74">15829 9199 2017 0,'0'0'0'0,"11"-7"0"15,9-2 0-15,-4 1 314 0,5-1-314 0,-12 2 314 16,-3 3-314-16,4 1 245 0,1-1-245 0,2 3 245 16,-6 1-245-16,9 0 119 0,2 5-119 0,1 2 120 15,1 4-120-15,2 2 56 0,2-1-56 0,-8-1 57 16,-7-3-57-16,4 5 32 0,1-2-32 0,-5 1 33 16,-1 4-33-16,0-2-11 0,-6 3 11 0,-2 1-10 0,-2-1 10 15,-6 2 29-15,0 0-29 0,-3-2 29 16,-3-1-29-16,-2-1 1 0,-3 1-1 0,5 0 2 0,2-7-2 15,-3 7-2-15,1-1 2 0,-5 0-2 0,-3-3 2 0,0-4-158 16,0 0 158-16,9-3-158 0,5-2 158 0,-12 5-2355 16</inkml:trace>
+  <inkml:trace contextRef="#ctx1" brushRef="#br0" timeOffset="-160846.75">15829 9199 2017 0,'0'0'0'0,"11"-7"0"15,9-2 0-15,-4 1 314 0,5-1-314 0,-12 2 314 16,-3 3-314-16,4 1 245 0,1-1-245 0,2 3 245 16,-6 1-245-16,9 0 119 0,2 5-119 0,1 2 120 15,1 4-120-15,2 2 56 0,2-1-56 0,-8-1 57 16,-7-3-57-16,4 5 32 0,1-2-32 0,-5 1 33 16,-1 4-33-16,0-2-11 0,-6 3 11 0,-2 1-10 0,-2-1 10 15,-6 2 29-15,0 0-29 0,-3-2 29 16,-3-1-29-16,-2-1 1 0,-3 1-1 0,5 0 2 0,2-7-2 15,-3 7-2-15,1-1 2 0,-5 0-2 0,-3-3 2 0,0-4-158 16,0 0 158-16,9-3-158 0,5-2 158 0,-12 5-2355 16</inkml:trace>
   <inkml:trace contextRef="#ctx1" brushRef="#br0" timeOffset="-160596.99">15845 9254 2163 0,'0'0'0'16,"0"17"0"-16,3 14 0 0,-3-15 279 0,1-8-279 0,1 0 279 15,-2-2-279-15,0 0 205 0,-2-1-205 0,1 6 206 16,-4 1-206-16,2 9 137 0,-5 5-137 0,-1 6 137 16,1 4-137-16,0 5-2 0,0-2 2 0,0 5-2 15,-3-3 2-15,3 3 20 0,-1 0-20 0,1-2 20 16,-2-1-20-16,1-2 38 0,-1-1-38 0,6-12 39 15,-4-8-39-15,5 4-6 0,-1-2 6 0,3-1-6 16,1 0 6-16,0-1-181 0,5 1 181 0,-2-8-180 16,0-1 180-16,3 13-2255 0</inkml:trace>
   <inkml:trace contextRef="#ctx1" brushRef="#br0" timeOffset="-160127.78">16291 9517 2319 0,'0'0'0'0,"0"-6"0"0,3 0 0 0,2-4 313 0,0 1-313 0,-2-4 313 16,3-2-313-16,2-9 159 0,3-3-159 0,2-1 159 16,-1-2-159-16,1-1 114 0,0-5-114 0,-2 12 115 15,-3 9-115-15,4-4-6 0,1 1 6 0,-2 7-5 16,-6 4 5-16,6 2-1 0,1-3 1 0,-4 8 0 15,0 0 0-15,2 3 5 0,1 3-5 0,-2 9 5 16,2 0-5-16,-3 6 66 0,0 4-66 0,-3-3 67 16,-2-2-67-16,-2 4 0 0,-2-1 0 0,-2 2 0 15,-2 0 0-15,-3 2 0 0,-5-3 0 0,5-9 0 16,1-2 0-16,-4 3 0 0,-4-5 0 0,4-2 1 16,-1-1-1-16,-4 0 20 0,-5 0-20 0,13-5 20 15,1-3-20-15,-4 0-10 0,-4-2 10 0,7 1-9 16,-3-6 9-16,2 1-61 0,-5-2 61 0,9 0-60 0,3 0 60 15,-4-7-2568-15</inkml:trace>
   <inkml:trace contextRef="#ctx1" brushRef="#br0" timeOffset="-159743.25">16979 9142 2129 0,'0'0'0'0,"-9"5"0"0,-6-2 0 0,6-3 225 0,-4-2-225 15,5 2 225-15,1 2-225 0,0 0 192 0,1 1-192 16,1-3 193-16,2 1-193 0,-5 2 111 0,-1 2-111 16,1 1 112-16,0 1-112 0,0 2 58 0,0 4-58 0,0-4 58 15,4 2-58-15,-3 2 72 0,1 1-72 0,3 3 73 16,3 2-73-16,0 1 13 0,4-4-13 0,0-4 13 15,0-2-13-15,1 4 28 0,3-3-28 0,0 1 28 16,1 1-28-16,2 0 0 0,2 1 0 0,-5-5 0 16,-3-1 0-16,3 1 2 0,-1 2-2 15,-2-3 3-15,-2-1-3 0,0 2-3 0,1 0 3 0,-3 1-3 16,-2-2 3-16,-3 1 0 0,0 2 0 0,-3-3 0 16,0 0 0-16,-3 0 47 0,-6-2-47 0,4 0 47 15,1-3-47-15,-4 2-10 0,0-2 10 0,-4-1-10 16,1-1 10-16,-5 1-74 0,-3-1 74 0,11 2-74 15,5-3 74-15,-4 0-374 0,0 0 374 0,4 0-373 0,6 0 373 16,-11-3-1878-16</inkml:trace>
@@ -493,7 +491,7 @@
   <inkml:trace contextRef="#ctx1" brushRef="#br0" timeOffset="-80592.04">14231 10534 2420 0,'0'0'0'0,"-4"-6"0"0,0-4 0 0,10 6 245 0,7-1-245 15,-4 2 246-15,-1-2-246 0,8 3 177 0,-1 4-177 0,1-5 177 16,2-2-177-16,1-1-14 0,1-2 14 0,-7 3-13 15,-9 4 13-15,4-1-377 0,0 2 377 0,0-1-376 16,2 1 376-16,8-5-1710 0</inkml:trace>
   <inkml:trace contextRef="#ctx1" brushRef="#br0" timeOffset="-80333.48">14382 10316 2140 0,'0'0'0'0,"6"11"0"0,2 8 0 0,-5-7 321 16,-3-4-321-16,-1 0 322 0,-1 0-322 0,-3 6 186 15,2 2-186-15,-5 10 186 0,4 6-186 0,-4-1 74 16,0 4-74-16,0-2 75 0,3-1-75 0,1 1 56 16,0-1-56-16,-2-1 57 0,0-3-57 0,1 4-5 15,2-6 5-15,-3-7-5 0,4-5 5 0,-1-1 60 16,3 3-60-16,3-1 61 0,-3 6-61 0,5-9-28 15,-1-5 28-15,-2 0-28 0,-2-2 28 0,2-2-71 16,-2-1 71-16,3-7-70 0,3-3 70 0,2 0-117 0,3 1 117 16,-6 0-117-16,-1 1 117 0,8-6-2234 0</inkml:trace>
   <inkml:trace contextRef="#ctx1" brushRef="#br0" timeOffset="-78505.7">14833 10589 1647 0,'0'0'0'0,"8"5"0"15,3 4 0-15,-3-3 403 0,-6-6-403 0,-2 0 404 0,-2-3-404 16,-1 2 268-16,1-1-268 0,-1 2 269 0,-2 2-269 16,2 2 152-16,0 1-152 0,2 6 152 0,-4 2-152 15,2-1 46-15,0 4-46 0,1-2 46 0,2 0-46 16,-3 5-2-16,3-3 2 0,0-2-2 0,0 0 2 0,0-5-5 16,0 2 5-16,0-1-5 0,0-3 5 0,3 1-74 15,-3 0 74-15,0-2-73 0,0-6 73 0,0 0-492 16,0 0 492-16,0 0-491 0,0 0 491 0,0 0-1500 15</inkml:trace>
-  <inkml:trace contextRef="#ctx1" brushRef="#br0" timeOffset="-78350.68">14925 10303 2051 0,'0'0'0'15,"0"5"0"-15,-5 1 0 0,2-6 127 0,-3-6-127 0,1-2 127 16,-1-1-127-16,-6-8-1701 0</inkml:trace>
+  <inkml:trace contextRef="#ctx1" brushRef="#br0" timeOffset="-78350.69">14925 10303 2051 0,'0'0'0'15,"0"5"0"-15,-5 1 0 0,2-6 127 0,-3-6-127 0,1-2 127 16,-1-1-127-16,-6-8-1701 0</inkml:trace>
   <inkml:trace contextRef="#ctx1" brushRef="#br0" timeOffset="-77900.58">15133 10495 1748 0,'0'0'0'0,"-2"14"0"0,1 11 0 0,-1-5 229 16,-2-1-229-16,2-3 230 0,2-4-230 0,-2 1 102 16,-2 0-102-16,1 2 102 0,-2 4-102 0,0 0 83 15,2 0-83-15,-2-5 83 0,4-6-83 0,-1-2 22 16,2 2-22-16,0-2 23 0,0-1-23 15,-3 1 100-15,1-1-100 0,-1-2 100 0,3-1-100 0,0-2 63 16,0 0-63-16,0 0 63 0,0 0-63 0,0 0 73 16,0 0-73-16,0 0 74 0,3-4-74 0,2-2 56 15,-3-2-56-15,4-1 56 0,-3-2-56 0,3 0 34 0,2-5-34 16,3 0 34-16,-3 1-34 0,5-2-8 16,-4-1 8-16,2 1-8 0,-1-2 8 0,1-1 58 0,-2-2-58 0,-1 11 59 15,-2 3-59-15,-1-1 4 0,3 1-4 16,-5 1 4-16,2 4-4 0,3-1 13 0,-3-1-13 0,-2 5 13 15,-2 0-13-15,3 3 29 0,-3 2-29 0,5 3 29 16,-1 6-29-16,0 1 45 0,0 3-45 0,-2 0 45 16,0 4-45-16,-3-1 8 0,-3 4-8 0,1-3 9 15,1-2-9-15,-1-1 3 0,2 2-3 0,0-6 4 16,0-2-4-16,0 3-11 0,2-6 11 0,-1 1-10 16,-1-3 10-16,2 0-48 0,1 0 48 0,-2-5-48 15,1 0 48-15,3 0-2527 0</inkml:trace>
   <inkml:trace contextRef="#ctx1" brushRef="#br0" timeOffset="-74818.54">15971 10845 1423 0,'0'0'0'0,"3"-11"0"16,2-7 0-16,-2 7 351 0,-6 7-351 0,3 4 352 15,-5 4-352-15,5 4 274 0,-3 3-274 0,1-8 275 16,2 1-275-16,0-4 174 0,-1 3-174 0,1-3 174 0,0 0-174 16,0 0 138-16,0 0-138 0,0 0 138 15,1-7-138-15,1 1 66 0,1-2-66 0,2-4 66 0,3-9-66 16,0 1 52-16,1-5-52 0,2 3 52 0,-2-2-52 15,6-1 33-15,-3 3-33 0,-1-6 33 0,4-5-33 16,0 2 7-16,1-4-7 0,-3 4 7 0,-2 1-7 16,1-5 12-16,1 2-12 0,0 5 12 0,2-3-12 15,-2 4 1-15,3 1-1 0,-4 4 1 0,-4 3-1 16,3-2-11-16,0 1 11 0,-3 7-10 0,-1 4 10 0,-1-2-11 16,0 0 11-16,4-2-10 0,1-4 10 0,-3 6 7 15,-4 3-7-15,1 0 7 0,-2 4-7 0,0 1 1 16,-3-1-1-16,0 4 1 0,2-3-1 0,-2 3 1 0,0 0-1 15,0 0 2-15,3 7-2 0,0-4 40 16,2 5-40-16,3 6 41 0,-3 3-41 0,-1 8 18 0,1 0-18 16,-2-1 18-16,0-1-18 0,-3 4 12 0,2 1-12 0,0 4 13 15,2 2-13-15,-2 8 5 0,3 1-5 16,-2-7 6-16,0-3-6 0,-3 1 0 0,0 1 0 16,0-7 1-16,0-3-1 0,0 0 2 0,0-4-2 0,2-1 2 15,-1 1-2-15,1-3 1 0,-2 1-1 0,3-6 2 16,-3-10-2-16,0 5 0 0,1-2 0 0,-1 8 0 15,0 3 0-15,0-1-1 0,0-2 1 0,0-4-1 16,0-6 1-16,0 1-27 0,0-2 27 0,0-3-27 16,0 0 27-16,0 0-59 0,0 0 59 0,0 0-59 15,0 0 59-15,0 0-1045 0,0 0 1045 0,2-4-1044 16,3-11 1044-16,-1-3-816 0</inkml:trace>
   <inkml:trace contextRef="#ctx1" brushRef="#br0" timeOffset="-74543.93">16113 10639 2308 0,'0'0'0'0,"16"6"0"0,9 4 0 0,-12-4 244 0,-7-6-244 15,-5-3 245-15,-4-5-245 0,2 3 250 0,-1-2-250 16,1 0 250-16,1 6-250 0,0 1 71 0,4-2-71 16,7 2 72-16,5-1-72 0,5 1 57 0,2 0-57 15,-9 0 58-15,-6 0-58 0,3 0-7 0,0 0 7 16,2 0-6-16,1 0 6 0,0-2-82 0,2 2 82 0,-6-3-81 16,-6 3 81-16,11-2-2454 0</inkml:trace>
@@ -778,7 +776,7 @@
           <a:p>
             <a:fld id="{3E2592C1-88CA-4FDB-BD4B-CC61035A6D24}" type="datetimeFigureOut">
               <a:rPr lang="en-US" smtClean="0"/>
-              <a:t>2/16/2021</a:t>
+              <a:t>9/20/2021</a:t>
             </a:fld>
             <a:endParaRPr lang="en-US"/>
           </a:p>
@@ -946,7 +944,7 @@
           <a:p>
             <a:fld id="{3E2592C1-88CA-4FDB-BD4B-CC61035A6D24}" type="datetimeFigureOut">
               <a:rPr lang="en-US" smtClean="0"/>
-              <a:t>2/16/2021</a:t>
+              <a:t>9/20/2021</a:t>
             </a:fld>
             <a:endParaRPr lang="en-US"/>
           </a:p>
@@ -1124,7 +1122,7 @@
           <a:p>
             <a:fld id="{3E2592C1-88CA-4FDB-BD4B-CC61035A6D24}" type="datetimeFigureOut">
               <a:rPr lang="en-US" smtClean="0"/>
-              <a:t>2/16/2021</a:t>
+              <a:t>9/20/2021</a:t>
             </a:fld>
             <a:endParaRPr lang="en-US"/>
           </a:p>
@@ -1292,7 +1290,7 @@
           <a:p>
             <a:fld id="{3E2592C1-88CA-4FDB-BD4B-CC61035A6D24}" type="datetimeFigureOut">
               <a:rPr lang="en-US" smtClean="0"/>
-              <a:t>2/16/2021</a:t>
+              <a:t>9/20/2021</a:t>
             </a:fld>
             <a:endParaRPr lang="en-US"/>
           </a:p>
@@ -1537,7 +1535,7 @@
           <a:p>
             <a:fld id="{3E2592C1-88CA-4FDB-BD4B-CC61035A6D24}" type="datetimeFigureOut">
               <a:rPr lang="en-US" smtClean="0"/>
-              <a:t>2/16/2021</a:t>
+              <a:t>9/20/2021</a:t>
             </a:fld>
             <a:endParaRPr lang="en-US"/>
           </a:p>
@@ -1766,7 +1764,7 @@
           <a:p>
             <a:fld id="{3E2592C1-88CA-4FDB-BD4B-CC61035A6D24}" type="datetimeFigureOut">
               <a:rPr lang="en-US" smtClean="0"/>
-              <a:t>2/16/2021</a:t>
+              <a:t>9/20/2021</a:t>
             </a:fld>
             <a:endParaRPr lang="en-US"/>
           </a:p>
@@ -2130,7 +2128,7 @@
           <a:p>
             <a:fld id="{3E2592C1-88CA-4FDB-BD4B-CC61035A6D24}" type="datetimeFigureOut">
               <a:rPr lang="en-US" smtClean="0"/>
-              <a:t>2/16/2021</a:t>
+              <a:t>9/20/2021</a:t>
             </a:fld>
             <a:endParaRPr lang="en-US"/>
           </a:p>
@@ -2247,7 +2245,7 @@
           <a:p>
             <a:fld id="{3E2592C1-88CA-4FDB-BD4B-CC61035A6D24}" type="datetimeFigureOut">
               <a:rPr lang="en-US" smtClean="0"/>
-              <a:t>2/16/2021</a:t>
+              <a:t>9/20/2021</a:t>
             </a:fld>
             <a:endParaRPr lang="en-US"/>
           </a:p>
@@ -2342,7 +2340,7 @@
           <a:p>
             <a:fld id="{3E2592C1-88CA-4FDB-BD4B-CC61035A6D24}" type="datetimeFigureOut">
               <a:rPr lang="en-US" smtClean="0"/>
-              <a:t>2/16/2021</a:t>
+              <a:t>9/20/2021</a:t>
             </a:fld>
             <a:endParaRPr lang="en-US"/>
           </a:p>
@@ -2617,7 +2615,7 @@
           <a:p>
             <a:fld id="{3E2592C1-88CA-4FDB-BD4B-CC61035A6D24}" type="datetimeFigureOut">
               <a:rPr lang="en-US" smtClean="0"/>
-              <a:t>2/16/2021</a:t>
+              <a:t>9/20/2021</a:t>
             </a:fld>
             <a:endParaRPr lang="en-US"/>
           </a:p>
@@ -2869,7 +2867,7 @@
           <a:p>
             <a:fld id="{3E2592C1-88CA-4FDB-BD4B-CC61035A6D24}" type="datetimeFigureOut">
               <a:rPr lang="en-US" smtClean="0"/>
-              <a:t>2/16/2021</a:t>
+              <a:t>9/20/2021</a:t>
             </a:fld>
             <a:endParaRPr lang="en-US"/>
           </a:p>
@@ -3080,7 +3078,7 @@
           <a:p>
             <a:fld id="{3E2592C1-88CA-4FDB-BD4B-CC61035A6D24}" type="datetimeFigureOut">
               <a:rPr lang="en-US" smtClean="0"/>
-              <a:t>2/16/2021</a:t>
+              <a:t>9/20/2021</a:t>
             </a:fld>
             <a:endParaRPr lang="en-US"/>
           </a:p>
@@ -3485,36 +3483,49 @@
           <a:chExt cx="0" cy="0"/>
         </a:xfrm>
       </p:grpSpPr>
-      <p:pic>
-        <p:nvPicPr>
-          <p:cNvPr id="9" name="Picture 8">
+      <p:sp>
+        <p:nvSpPr>
+          <p:cNvPr id="2" name="TextBox 1">
             <a:extLst>
               <a:ext uri="{FF2B5EF4-FFF2-40B4-BE49-F238E27FC236}">
-                <a16:creationId xmlns:a16="http://schemas.microsoft.com/office/drawing/2014/main" id="{FB98BFEA-BB93-4D93-83C1-348328278A99}"/>
+                <a16:creationId xmlns:a16="http://schemas.microsoft.com/office/drawing/2014/main" id="{673520B7-2BAC-4807-886C-F0AB3D833F1B}"/>
               </a:ext>
             </a:extLst>
           </p:cNvPr>
-          <p:cNvPicPr>
-            <a:picLocks noChangeAspect="1"/>
-          </p:cNvPicPr>
+          <p:cNvSpPr txBox="1"/>
           <p:nvPr/>
-        </p:nvPicPr>
-        <p:blipFill>
-          <a:blip r:embed="rId2"/>
-          <a:stretch>
-            <a:fillRect/>
-          </a:stretch>
-        </p:blipFill>
+        </p:nvSpPr>
         <p:spPr>
           <a:xfrm>
-            <a:off x="950030" y="0"/>
-            <a:ext cx="10291939" cy="4597628"/>
+            <a:off x="4370832" y="2548128"/>
+            <a:ext cx="3078480" cy="1077218"/>
           </a:xfrm>
           <a:prstGeom prst="rect">
             <a:avLst/>
           </a:prstGeom>
+          <a:noFill/>
         </p:spPr>
-      </p:pic>
+        <p:txBody>
+          <a:bodyPr wrap="square" rtlCol="0">
+            <a:spAutoFit/>
+          </a:bodyPr>
+          <a:lstStyle/>
+          <a:p>
+            <a:pPr algn="ctr"/>
+            <a:r>
+              <a:rPr lang="en-US" sz="3200" dirty="0"/>
+              <a:t>Lab 5 Pre Lab</a:t>
+            </a:r>
+          </a:p>
+          <a:p>
+            <a:pPr algn="ctr"/>
+            <a:r>
+              <a:rPr lang="en-US" sz="3200" dirty="0"/>
+              <a:t>Shan Zhong</a:t>
+            </a:r>
+          </a:p>
+        </p:txBody>
+      </p:sp>
     </p:spTree>
     <p:extLst>
       <p:ext uri="{BB962C8B-B14F-4D97-AF65-F5344CB8AC3E}">
@@ -3605,66 +3616,6 @@
           <a:chExt cx="0" cy="0"/>
         </a:xfrm>
       </p:grpSpPr>
-      <p:pic>
-        <p:nvPicPr>
-          <p:cNvPr id="7" name="Picture 6">
-            <a:extLst>
-              <a:ext uri="{FF2B5EF4-FFF2-40B4-BE49-F238E27FC236}">
-                <a16:creationId xmlns:a16="http://schemas.microsoft.com/office/drawing/2014/main" id="{066687B9-713A-43E3-8A1A-C1F87ACDA4FA}"/>
-              </a:ext>
-            </a:extLst>
-          </p:cNvPr>
-          <p:cNvPicPr>
-            <a:picLocks noChangeAspect="1"/>
-          </p:cNvPicPr>
-          <p:nvPr/>
-        </p:nvPicPr>
-        <p:blipFill>
-          <a:blip r:embed="rId2"/>
-          <a:stretch>
-            <a:fillRect/>
-          </a:stretch>
-        </p:blipFill>
-        <p:spPr>
-          <a:xfrm>
-            <a:off x="0" y="107856"/>
-            <a:ext cx="12192000" cy="6642288"/>
-          </a:xfrm>
-          <a:prstGeom prst="rect">
-            <a:avLst/>
-          </a:prstGeom>
-        </p:spPr>
-      </p:pic>
-    </p:spTree>
-    <p:extLst>
-      <p:ext uri="{BB962C8B-B14F-4D97-AF65-F5344CB8AC3E}">
-        <p14:creationId xmlns:p14="http://schemas.microsoft.com/office/powerpoint/2010/main" val="3051567016"/>
-      </p:ext>
-    </p:extLst>
-  </p:cSld>
-  <p:clrMapOvr>
-    <a:masterClrMapping/>
-  </p:clrMapOvr>
-</p:sld>
-</file>
-
-<file path=ppt/slides/slide4.xml><?xml version="1.0" encoding="utf-8"?>
-<p:sld xmlns:a="http://schemas.openxmlformats.org/drawingml/2006/main" xmlns:r="http://schemas.openxmlformats.org/officeDocument/2006/relationships" xmlns:p="http://schemas.openxmlformats.org/presentationml/2006/main">
-  <p:cSld>
-    <p:spTree>
-      <p:nvGrpSpPr>
-        <p:cNvPr id="1" name=""/>
-        <p:cNvGrpSpPr/>
-        <p:nvPr/>
-      </p:nvGrpSpPr>
-      <p:grpSpPr>
-        <a:xfrm>
-          <a:off x="0" y="0"/>
-          <a:ext cx="0" cy="0"/>
-          <a:chOff x="0" y="0"/>
-          <a:chExt cx="0" cy="0"/>
-        </a:xfrm>
-      </p:grpSpPr>
       <mc:AlternateContent xmlns:mc="http://schemas.openxmlformats.org/markup-compatibility/2006" xmlns:p14="http://schemas.microsoft.com/office/powerpoint/2010/main">
         <mc:Choice Requires="p14">
           <p:contentPart p14:bwMode="auto" r:id="rId2">
@@ -3716,8 +3667,8 @@
           </p:pic>
         </mc:Fallback>
       </mc:AlternateContent>
-      <mc:AlternateContent xmlns:mc="http://schemas.openxmlformats.org/markup-compatibility/2006">
-        <mc:Choice xmlns:p14="http://schemas.microsoft.com/office/powerpoint/2010/main" Requires="p14">
+      <mc:AlternateContent xmlns:mc="http://schemas.openxmlformats.org/markup-compatibility/2006" xmlns:p14="http://schemas.microsoft.com/office/powerpoint/2010/main">
+        <mc:Choice Requires="p14">
           <p:contentPart p14:bwMode="auto" r:id="rId4">
             <p14:nvContentPartPr>
               <p14:cNvPr id="3" name="Ink 2">
@@ -3736,7 +3687,7 @@
             </p14:xfrm>
           </p:contentPart>
         </mc:Choice>
-        <mc:Fallback>
+        <mc:Fallback xmlns="">
           <p:pic>
             <p:nvPicPr>
               <p:cNvPr id="3" name="Ink 2">
@@ -3831,7 +3782,7 @@
 </p:sld>
 </file>
 
-<file path=ppt/slides/slide5.xml><?xml version="1.0" encoding="utf-8"?>
+<file path=ppt/slides/slide4.xml><?xml version="1.0" encoding="utf-8"?>
 <p:sld xmlns:a="http://schemas.openxmlformats.org/drawingml/2006/main" xmlns:r="http://schemas.openxmlformats.org/officeDocument/2006/relationships" xmlns:p="http://schemas.openxmlformats.org/presentationml/2006/main">
   <p:cSld>
     <p:spTree>
@@ -3891,7 +3842,7 @@
 </p:sld>
 </file>
 
-<file path=ppt/slides/slide6.xml><?xml version="1.0" encoding="utf-8"?>
+<file path=ppt/slides/slide5.xml><?xml version="1.0" encoding="utf-8"?>
 <p:sld xmlns:a="http://schemas.openxmlformats.org/drawingml/2006/main" xmlns:r="http://schemas.openxmlformats.org/officeDocument/2006/relationships" xmlns:p="http://schemas.openxmlformats.org/presentationml/2006/main">
   <p:cSld>
     <p:spTree>
@@ -3938,8 +3889,8 @@
           </a:prstGeom>
         </p:spPr>
       </p:pic>
-      <mc:AlternateContent xmlns:mc="http://schemas.openxmlformats.org/markup-compatibility/2006">
-        <mc:Choice xmlns:p14="http://schemas.microsoft.com/office/powerpoint/2010/main" Requires="p14">
+      <mc:AlternateContent xmlns:mc="http://schemas.openxmlformats.org/markup-compatibility/2006" xmlns:p14="http://schemas.microsoft.com/office/powerpoint/2010/main">
+        <mc:Choice Requires="p14">
           <p:contentPart p14:bwMode="auto" r:id="rId3">
             <p14:nvContentPartPr>
               <p14:cNvPr id="2" name="Ink 1">
@@ -3958,7 +3909,7 @@
             </p14:xfrm>
           </p:contentPart>
         </mc:Choice>
-        <mc:Fallback>
+        <mc:Fallback xmlns="">
           <p:pic>
             <p:nvPicPr>
               <p:cNvPr id="2" name="Ink 1">
@@ -3993,66 +3944,6 @@
     <p:extLst>
       <p:ext uri="{BB962C8B-B14F-4D97-AF65-F5344CB8AC3E}">
         <p14:creationId xmlns:p14="http://schemas.microsoft.com/office/powerpoint/2010/main" val="2527586811"/>
-      </p:ext>
-    </p:extLst>
-  </p:cSld>
-  <p:clrMapOvr>
-    <a:masterClrMapping/>
-  </p:clrMapOvr>
-</p:sld>
-</file>
-
-<file path=ppt/slides/slide7.xml><?xml version="1.0" encoding="utf-8"?>
-<p:sld xmlns:a="http://schemas.openxmlformats.org/drawingml/2006/main" xmlns:r="http://schemas.openxmlformats.org/officeDocument/2006/relationships" xmlns:p="http://schemas.openxmlformats.org/presentationml/2006/main">
-  <p:cSld>
-    <p:spTree>
-      <p:nvGrpSpPr>
-        <p:cNvPr id="1" name=""/>
-        <p:cNvGrpSpPr/>
-        <p:nvPr/>
-      </p:nvGrpSpPr>
-      <p:grpSpPr>
-        <a:xfrm>
-          <a:off x="0" y="0"/>
-          <a:ext cx="0" cy="0"/>
-          <a:chOff x="0" y="0"/>
-          <a:chExt cx="0" cy="0"/>
-        </a:xfrm>
-      </p:grpSpPr>
-      <p:pic>
-        <p:nvPicPr>
-          <p:cNvPr id="5" name="Picture 4">
-            <a:extLst>
-              <a:ext uri="{FF2B5EF4-FFF2-40B4-BE49-F238E27FC236}">
-                <a16:creationId xmlns:a16="http://schemas.microsoft.com/office/drawing/2014/main" id="{BE4D229C-F923-43C0-A6F0-08EB95093CF6}"/>
-              </a:ext>
-            </a:extLst>
-          </p:cNvPr>
-          <p:cNvPicPr>
-            <a:picLocks noChangeAspect="1"/>
-          </p:cNvPicPr>
-          <p:nvPr/>
-        </p:nvPicPr>
-        <p:blipFill>
-          <a:blip r:embed="rId2"/>
-          <a:stretch>
-            <a:fillRect/>
-          </a:stretch>
-        </p:blipFill>
-        <p:spPr>
-          <a:xfrm>
-            <a:off x="0" y="1340778"/>
-            <a:ext cx="12192000" cy="4176443"/>
-          </a:xfrm>
-          <a:prstGeom prst="rect">
-            <a:avLst/>
-          </a:prstGeom>
-        </p:spPr>
-      </p:pic>
-    </p:spTree>
-    <p:extLst>
-      <p:ext uri="{BB962C8B-B14F-4D97-AF65-F5344CB8AC3E}">
-        <p14:creationId xmlns:p14="http://schemas.microsoft.com/office/powerpoint/2010/main" val="3882632404"/>
       </p:ext>
     </p:extLst>
   </p:cSld>
